--- a/mvc/slides/06_TDD.pptx
+++ b/mvc/slides/06_TDD.pptx
@@ -5,10 +5,10 @@
     <p:sldMasterId id="2147483772" r:id="rId1"/>
   </p:sldMasterIdLst>
   <p:notesMasterIdLst>
-    <p:notesMasterId r:id="rId14"/>
+    <p:notesMasterId r:id="rId15"/>
   </p:notesMasterIdLst>
   <p:handoutMasterIdLst>
-    <p:handoutMasterId r:id="rId15"/>
+    <p:handoutMasterId r:id="rId16"/>
   </p:handoutMasterIdLst>
   <p:sldIdLst>
     <p:sldId id="327" r:id="rId2"/>
@@ -21,8 +21,9 @@
     <p:sldId id="375" r:id="rId9"/>
     <p:sldId id="377" r:id="rId10"/>
     <p:sldId id="378" r:id="rId11"/>
-    <p:sldId id="370" r:id="rId12"/>
-    <p:sldId id="363" r:id="rId13"/>
+    <p:sldId id="380" r:id="rId12"/>
+    <p:sldId id="381" r:id="rId13"/>
+    <p:sldId id="363" r:id="rId14"/>
   </p:sldIdLst>
   <p:sldSz cx="9144000" cy="6858000" type="screen4x3"/>
   <p:notesSz cx="7302500" cy="9588500"/>
@@ -245,7 +246,7 @@
               <a:pPr>
                 <a:defRPr/>
               </a:pPr>
-              <a:t>4/18/2012</a:t>
+              <a:t>7/7/2012</a:t>
             </a:fld>
             <a:endParaRPr lang="en-US"/>
           </a:p>
@@ -1018,7 +1019,7 @@
             <a:fld id="{6F8E712A-3391-44E3-B8E1-37AE61B13131}" type="slidenum">
               <a:rPr lang="en-US" smtClean="0"/>
               <a:pPr/>
-              <a:t>12</a:t>
+              <a:t>13</a:t>
             </a:fld>
             <a:endParaRPr lang="en-US" smtClean="0"/>
           </a:p>
@@ -3871,7 +3872,15 @@
           <a:p>
             <a:r>
               <a:rPr lang="en-US" dirty="0" smtClean="0"/>
-              <a:t>Testing Routes</a:t>
+              <a:t>State </a:t>
+            </a:r>
+            <a:r>
+              <a:rPr lang="en-US" dirty="0" err="1" smtClean="0"/>
+              <a:t>vs</a:t>
+            </a:r>
+            <a:r>
+              <a:rPr lang="en-US" dirty="0" smtClean="0"/>
+              <a:t> Interaction</a:t>
             </a:r>
             <a:endParaRPr lang="en-US" dirty="0"/>
           </a:p>
@@ -3894,644 +3903,50 @@
           <a:p>
             <a:r>
               <a:rPr lang="en-US" dirty="0" smtClean="0"/>
-              <a:t>Tedious without help</a:t>
-            </a:r>
-          </a:p>
-          <a:p>
-            <a:r>
-              <a:rPr lang="en-US" dirty="0" err="1" smtClean="0"/>
-              <a:t>MVCContrib</a:t>
-            </a:r>
-            <a:r>
-              <a:rPr lang="en-US" dirty="0" smtClean="0"/>
-              <a:t> includes a routing test helper</a:t>
+              <a:t>State based testing</a:t>
             </a:r>
           </a:p>
           <a:p>
             <a:pPr lvl="1"/>
             <a:r>
               <a:rPr lang="en-US" dirty="0" smtClean="0"/>
-              <a:t>Built for </a:t>
-            </a:r>
-            <a:r>
-              <a:rPr lang="en-US" dirty="0" err="1" smtClean="0"/>
-              <a:t>nUnit</a:t>
-            </a:r>
-            <a:r>
-              <a:rPr lang="en-US" dirty="0" smtClean="0"/>
-              <a:t> and </a:t>
-            </a:r>
-            <a:r>
-              <a:rPr lang="en-US" dirty="0" err="1" smtClean="0"/>
-              <a:t>RhinoMocks</a:t>
+              <a:t>What is the state of the </a:t>
+            </a:r>
+            <a:r>
+              <a:rPr lang="en-US" dirty="0" smtClean="0"/>
+              <a:t>object?</a:t>
             </a:r>
             <a:endParaRPr lang="en-US" dirty="0" smtClean="0"/>
           </a:p>
           <a:p>
+            <a:r>
+              <a:rPr lang="en-US" dirty="0" smtClean="0"/>
+              <a:t>Interaction based testing</a:t>
+            </a:r>
+          </a:p>
+          <a:p>
             <a:pPr lvl="1"/>
             <a:r>
               <a:rPr lang="en-US" dirty="0" smtClean="0"/>
-              <a:t>Not hard to port</a:t>
+              <a:t>What did the object do with its dependencies?</a:t>
+            </a:r>
+          </a:p>
+          <a:p>
+            <a:pPr lvl="1"/>
+            <a:r>
+              <a:rPr lang="en-US" dirty="0" smtClean="0"/>
+              <a:t>Caution!</a:t>
             </a:r>
             <a:endParaRPr lang="en-US" dirty="0"/>
-          </a:p>
-        </p:txBody>
-      </p:sp>
-      <p:sp>
-        <p:nvSpPr>
-          <p:cNvPr id="5" name="Text Placeholder 2"/>
-          <p:cNvSpPr txBox="1">
-            <a:spLocks/>
-          </p:cNvSpPr>
-          <p:nvPr/>
-        </p:nvSpPr>
-        <p:spPr bwMode="auto">
-          <a:xfrm>
-            <a:off x="914400" y="3124200"/>
-            <a:ext cx="7620000" cy="3276600"/>
-          </a:xfrm>
-          <a:prstGeom prst="rect">
-            <a:avLst/>
-          </a:prstGeom>
-          <a:solidFill>
-            <a:schemeClr val="accent2"/>
-          </a:solidFill>
-          <a:ln w="9525">
-            <a:solidFill>
-              <a:schemeClr val="tx1"/>
-            </a:solidFill>
-            <a:miter lim="800000"/>
-            <a:headEnd/>
-            <a:tailEnd/>
-          </a:ln>
-        </p:spPr>
-        <p:txBody>
-          <a:bodyPr vert="horz" wrap="square" lIns="91440" tIns="45720" rIns="91440" bIns="45720" numCol="1" anchor="t" anchorCtr="0" compatLnSpc="1">
-            <a:prstTxWarp prst="textNoShape">
-              <a:avLst/>
-            </a:prstTxWarp>
-          </a:bodyPr>
-          <a:lstStyle/>
-          <a:p>
-            <a:pPr marL="0" marR="0" algn="l">
-              <a:lnSpc>
-                <a:spcPct val="115000"/>
-              </a:lnSpc>
-              <a:spcBef>
-                <a:spcPts val="0"/>
-              </a:spcBef>
-              <a:spcAft>
-                <a:spcPts val="0"/>
-              </a:spcAft>
-            </a:pPr>
-            <a:r>
-              <a:rPr lang="en-US" b="0" dirty="0" smtClean="0">
-                <a:latin typeface="Consolas" pitchFamily="49" charset="0"/>
-                <a:ea typeface="Calibri"/>
-                <a:cs typeface="Times New Roman"/>
-              </a:rPr>
-              <a:t>[</a:t>
-            </a:r>
-            <a:r>
-              <a:rPr lang="en-US" b="0" dirty="0" err="1" smtClean="0">
-                <a:solidFill>
-                  <a:srgbClr val="2B91AF"/>
-                </a:solidFill>
-                <a:latin typeface="Consolas" pitchFamily="49" charset="0"/>
-                <a:ea typeface="Calibri"/>
-                <a:cs typeface="Times New Roman"/>
-              </a:rPr>
-              <a:t>TestInitialize</a:t>
-            </a:r>
-            <a:r>
-              <a:rPr lang="en-US" b="0" dirty="0" smtClean="0">
-                <a:latin typeface="Consolas" pitchFamily="49" charset="0"/>
-                <a:ea typeface="Calibri"/>
-                <a:cs typeface="Times New Roman"/>
-              </a:rPr>
-              <a:t>]</a:t>
-            </a:r>
-            <a:endParaRPr lang="en-US" sz="1400" b="0" dirty="0" smtClean="0">
-              <a:latin typeface="Consolas" pitchFamily="49" charset="0"/>
-              <a:ea typeface="Calibri"/>
-              <a:cs typeface="Times New Roman"/>
-            </a:endParaRPr>
-          </a:p>
-          <a:p>
-            <a:pPr marL="0" marR="0" algn="l">
-              <a:lnSpc>
-                <a:spcPct val="115000"/>
-              </a:lnSpc>
-              <a:spcBef>
-                <a:spcPts val="0"/>
-              </a:spcBef>
-              <a:spcAft>
-                <a:spcPts val="0"/>
-              </a:spcAft>
-            </a:pPr>
-            <a:r>
-              <a:rPr lang="en-US" b="0" dirty="0" smtClean="0">
-                <a:solidFill>
-                  <a:srgbClr val="0000FF"/>
-                </a:solidFill>
-                <a:latin typeface="Consolas" pitchFamily="49" charset="0"/>
-                <a:ea typeface="Calibri"/>
-                <a:cs typeface="Times New Roman"/>
-              </a:rPr>
-              <a:t>public</a:t>
-            </a:r>
-            <a:r>
-              <a:rPr lang="en-US" b="0" dirty="0" smtClean="0">
-                <a:latin typeface="Consolas" pitchFamily="49" charset="0"/>
-                <a:ea typeface="Calibri"/>
-                <a:cs typeface="Times New Roman"/>
-              </a:rPr>
-              <a:t> </a:t>
-            </a:r>
-            <a:r>
-              <a:rPr lang="en-US" b="0" dirty="0" smtClean="0">
-                <a:solidFill>
-                  <a:srgbClr val="0000FF"/>
-                </a:solidFill>
-                <a:latin typeface="Consolas" pitchFamily="49" charset="0"/>
-                <a:ea typeface="Calibri"/>
-                <a:cs typeface="Times New Roman"/>
-              </a:rPr>
-              <a:t>void</a:t>
-            </a:r>
-            <a:r>
-              <a:rPr lang="en-US" b="0" dirty="0" smtClean="0">
-                <a:latin typeface="Consolas" pitchFamily="49" charset="0"/>
-                <a:ea typeface="Calibri"/>
-                <a:cs typeface="Times New Roman"/>
-              </a:rPr>
-              <a:t> Initialize()</a:t>
-            </a:r>
-            <a:endParaRPr lang="en-US" sz="1400" b="0" dirty="0" smtClean="0">
-              <a:latin typeface="Consolas" pitchFamily="49" charset="0"/>
-              <a:ea typeface="Calibri"/>
-              <a:cs typeface="Times New Roman"/>
-            </a:endParaRPr>
-          </a:p>
-          <a:p>
-            <a:pPr marL="0" marR="0" algn="l">
-              <a:lnSpc>
-                <a:spcPct val="115000"/>
-              </a:lnSpc>
-              <a:spcBef>
-                <a:spcPts val="0"/>
-              </a:spcBef>
-              <a:spcAft>
-                <a:spcPts val="0"/>
-              </a:spcAft>
-            </a:pPr>
-            <a:r>
-              <a:rPr lang="en-US" b="0" dirty="0" smtClean="0">
-                <a:latin typeface="Consolas" pitchFamily="49" charset="0"/>
-                <a:ea typeface="Calibri"/>
-                <a:cs typeface="Times New Roman"/>
-              </a:rPr>
-              <a:t>{</a:t>
-            </a:r>
-            <a:endParaRPr lang="en-US" sz="1400" b="0" dirty="0" smtClean="0">
-              <a:latin typeface="Consolas" pitchFamily="49" charset="0"/>
-              <a:ea typeface="Calibri"/>
-              <a:cs typeface="Times New Roman"/>
-            </a:endParaRPr>
-          </a:p>
-          <a:p>
-            <a:pPr marL="0" marR="0" algn="l">
-              <a:lnSpc>
-                <a:spcPct val="115000"/>
-              </a:lnSpc>
-              <a:spcBef>
-                <a:spcPts val="0"/>
-              </a:spcBef>
-              <a:spcAft>
-                <a:spcPts val="0"/>
-              </a:spcAft>
-            </a:pPr>
-            <a:r>
-              <a:rPr lang="en-US" b="0" dirty="0" smtClean="0">
-                <a:latin typeface="Consolas" pitchFamily="49" charset="0"/>
-                <a:ea typeface="Calibri"/>
-                <a:cs typeface="Times New Roman"/>
-              </a:rPr>
-              <a:t>    </a:t>
-            </a:r>
-            <a:r>
-              <a:rPr lang="en-US" b="0" dirty="0" err="1" smtClean="0">
-                <a:solidFill>
-                  <a:srgbClr val="2B91AF"/>
-                </a:solidFill>
-                <a:latin typeface="Consolas" pitchFamily="49" charset="0"/>
-                <a:ea typeface="Calibri"/>
-                <a:cs typeface="Times New Roman"/>
-              </a:rPr>
-              <a:t>MyApplication</a:t>
-            </a:r>
-            <a:r>
-              <a:rPr lang="en-US" b="0" dirty="0" err="1" smtClean="0">
-                <a:latin typeface="Consolas" pitchFamily="49" charset="0"/>
-                <a:ea typeface="Calibri"/>
-                <a:cs typeface="Times New Roman"/>
-              </a:rPr>
-              <a:t>.RegisterRoutes</a:t>
-            </a:r>
-            <a:r>
-              <a:rPr lang="en-US" b="0" dirty="0" smtClean="0">
-                <a:latin typeface="Consolas" pitchFamily="49" charset="0"/>
-                <a:ea typeface="Calibri"/>
-                <a:cs typeface="Times New Roman"/>
-              </a:rPr>
-              <a:t>(</a:t>
-            </a:r>
-            <a:r>
-              <a:rPr lang="en-US" b="0" dirty="0" err="1" smtClean="0">
-                <a:solidFill>
-                  <a:srgbClr val="2B91AF"/>
-                </a:solidFill>
-                <a:latin typeface="Consolas" pitchFamily="49" charset="0"/>
-                <a:ea typeface="Calibri"/>
-                <a:cs typeface="Times New Roman"/>
-              </a:rPr>
-              <a:t>RouteTable</a:t>
-            </a:r>
-            <a:r>
-              <a:rPr lang="en-US" b="0" dirty="0" err="1" smtClean="0">
-                <a:latin typeface="Consolas" pitchFamily="49" charset="0"/>
-                <a:ea typeface="Calibri"/>
-                <a:cs typeface="Times New Roman"/>
-              </a:rPr>
-              <a:t>.Routes</a:t>
-            </a:r>
-            <a:r>
-              <a:rPr lang="en-US" b="0" dirty="0" smtClean="0">
-                <a:latin typeface="Consolas" pitchFamily="49" charset="0"/>
-                <a:ea typeface="Calibri"/>
-                <a:cs typeface="Times New Roman"/>
-              </a:rPr>
-              <a:t>);</a:t>
-            </a:r>
-            <a:endParaRPr lang="en-US" sz="1400" b="0" dirty="0" smtClean="0">
-              <a:latin typeface="Consolas" pitchFamily="49" charset="0"/>
-              <a:ea typeface="Calibri"/>
-              <a:cs typeface="Times New Roman"/>
-            </a:endParaRPr>
-          </a:p>
-          <a:p>
-            <a:pPr marL="0" marR="0" algn="l">
-              <a:lnSpc>
-                <a:spcPct val="115000"/>
-              </a:lnSpc>
-              <a:spcBef>
-                <a:spcPts val="0"/>
-              </a:spcBef>
-              <a:spcAft>
-                <a:spcPts val="0"/>
-              </a:spcAft>
-            </a:pPr>
-            <a:r>
-              <a:rPr lang="en-US" b="0" dirty="0" smtClean="0">
-                <a:latin typeface="Consolas" pitchFamily="49" charset="0"/>
-                <a:ea typeface="Calibri"/>
-                <a:cs typeface="Times New Roman"/>
-              </a:rPr>
-              <a:t>}</a:t>
-            </a:r>
-            <a:endParaRPr lang="en-US" sz="1400" b="0" dirty="0" smtClean="0">
-              <a:latin typeface="Consolas" pitchFamily="49" charset="0"/>
-              <a:ea typeface="Calibri"/>
-              <a:cs typeface="Times New Roman"/>
-            </a:endParaRPr>
-          </a:p>
-          <a:p>
-            <a:pPr marL="0" marR="0" algn="l">
-              <a:lnSpc>
-                <a:spcPct val="115000"/>
-              </a:lnSpc>
-              <a:spcBef>
-                <a:spcPts val="0"/>
-              </a:spcBef>
-              <a:spcAft>
-                <a:spcPts val="0"/>
-              </a:spcAft>
-            </a:pPr>
-            <a:r>
-              <a:rPr lang="en-US" b="0" dirty="0" smtClean="0">
-                <a:latin typeface="Consolas" pitchFamily="49" charset="0"/>
-                <a:ea typeface="Calibri"/>
-                <a:cs typeface="Times New Roman"/>
-              </a:rPr>
-              <a:t> </a:t>
-            </a:r>
-            <a:endParaRPr lang="en-US" sz="1400" b="0" dirty="0" smtClean="0">
-              <a:latin typeface="Consolas" pitchFamily="49" charset="0"/>
-              <a:ea typeface="Calibri"/>
-              <a:cs typeface="Times New Roman"/>
-            </a:endParaRPr>
-          </a:p>
-          <a:p>
-            <a:pPr marL="0" marR="0" algn="l">
-              <a:lnSpc>
-                <a:spcPct val="115000"/>
-              </a:lnSpc>
-              <a:spcBef>
-                <a:spcPts val="0"/>
-              </a:spcBef>
-              <a:spcAft>
-                <a:spcPts val="0"/>
-              </a:spcAft>
-            </a:pPr>
-            <a:r>
-              <a:rPr lang="en-US" b="0" dirty="0" smtClean="0">
-                <a:latin typeface="Consolas" pitchFamily="49" charset="0"/>
-                <a:ea typeface="Calibri"/>
-                <a:cs typeface="Times New Roman"/>
-              </a:rPr>
-              <a:t>[</a:t>
-            </a:r>
-            <a:r>
-              <a:rPr lang="en-US" b="0" dirty="0" err="1" smtClean="0">
-                <a:solidFill>
-                  <a:srgbClr val="2B91AF"/>
-                </a:solidFill>
-                <a:latin typeface="Consolas" pitchFamily="49" charset="0"/>
-                <a:ea typeface="Calibri"/>
-                <a:cs typeface="Times New Roman"/>
-              </a:rPr>
-              <a:t>TestMethod</a:t>
-            </a:r>
-            <a:r>
-              <a:rPr lang="en-US" b="0" dirty="0" smtClean="0">
-                <a:latin typeface="Consolas" pitchFamily="49" charset="0"/>
-                <a:ea typeface="Calibri"/>
-                <a:cs typeface="Times New Roman"/>
-              </a:rPr>
-              <a:t>]</a:t>
-            </a:r>
-            <a:endParaRPr lang="en-US" sz="1400" b="0" dirty="0" smtClean="0">
-              <a:latin typeface="Consolas" pitchFamily="49" charset="0"/>
-              <a:ea typeface="Calibri"/>
-              <a:cs typeface="Times New Roman"/>
-            </a:endParaRPr>
-          </a:p>
-          <a:p>
-            <a:pPr marL="0" marR="0" algn="l">
-              <a:lnSpc>
-                <a:spcPct val="115000"/>
-              </a:lnSpc>
-              <a:spcBef>
-                <a:spcPts val="0"/>
-              </a:spcBef>
-              <a:spcAft>
-                <a:spcPts val="0"/>
-              </a:spcAft>
-            </a:pPr>
-            <a:r>
-              <a:rPr lang="en-US" b="0" dirty="0" smtClean="0">
-                <a:solidFill>
-                  <a:srgbClr val="0000FF"/>
-                </a:solidFill>
-                <a:latin typeface="Consolas" pitchFamily="49" charset="0"/>
-                <a:ea typeface="Calibri"/>
-                <a:cs typeface="Times New Roman"/>
-              </a:rPr>
-              <a:t>public</a:t>
-            </a:r>
-            <a:r>
-              <a:rPr lang="en-US" b="0" dirty="0" smtClean="0">
-                <a:latin typeface="Consolas" pitchFamily="49" charset="0"/>
-                <a:ea typeface="Calibri"/>
-                <a:cs typeface="Times New Roman"/>
-              </a:rPr>
-              <a:t> </a:t>
-            </a:r>
-            <a:r>
-              <a:rPr lang="en-US" b="0" dirty="0" smtClean="0">
-                <a:solidFill>
-                  <a:srgbClr val="0000FF"/>
-                </a:solidFill>
-                <a:latin typeface="Consolas" pitchFamily="49" charset="0"/>
-                <a:ea typeface="Calibri"/>
-                <a:cs typeface="Times New Roman"/>
-              </a:rPr>
-              <a:t>void</a:t>
-            </a:r>
-            <a:r>
-              <a:rPr lang="en-US" b="0" dirty="0" smtClean="0">
-                <a:latin typeface="Consolas" pitchFamily="49" charset="0"/>
-                <a:ea typeface="Calibri"/>
-                <a:cs typeface="Times New Roman"/>
-              </a:rPr>
-              <a:t> </a:t>
-            </a:r>
-            <a:r>
-              <a:rPr lang="en-US" b="0" dirty="0" err="1" smtClean="0">
-                <a:latin typeface="Consolas" pitchFamily="49" charset="0"/>
-                <a:ea typeface="Calibri"/>
-                <a:cs typeface="Times New Roman"/>
-              </a:rPr>
-              <a:t>request_routes_to_movie_controller_index_action</a:t>
-            </a:r>
-            <a:r>
-              <a:rPr lang="en-US" b="0" dirty="0" smtClean="0">
-                <a:latin typeface="Consolas" pitchFamily="49" charset="0"/>
-                <a:ea typeface="Calibri"/>
-                <a:cs typeface="Times New Roman"/>
-              </a:rPr>
-              <a:t>()</a:t>
-            </a:r>
-            <a:endParaRPr lang="en-US" sz="1400" b="0" dirty="0" smtClean="0">
-              <a:latin typeface="Consolas" pitchFamily="49" charset="0"/>
-              <a:ea typeface="Calibri"/>
-              <a:cs typeface="Times New Roman"/>
-            </a:endParaRPr>
-          </a:p>
-          <a:p>
-            <a:pPr marL="0" marR="0" algn="l">
-              <a:lnSpc>
-                <a:spcPct val="115000"/>
-              </a:lnSpc>
-              <a:spcBef>
-                <a:spcPts val="0"/>
-              </a:spcBef>
-              <a:spcAft>
-                <a:spcPts val="0"/>
-              </a:spcAft>
-            </a:pPr>
-            <a:r>
-              <a:rPr lang="en-US" b="0" dirty="0" smtClean="0">
-                <a:latin typeface="Consolas" pitchFamily="49" charset="0"/>
-                <a:ea typeface="Calibri"/>
-                <a:cs typeface="Times New Roman"/>
-              </a:rPr>
-              <a:t>{</a:t>
-            </a:r>
-            <a:endParaRPr lang="en-US" sz="1400" b="0" dirty="0" smtClean="0">
-              <a:latin typeface="Consolas" pitchFamily="49" charset="0"/>
-              <a:ea typeface="Calibri"/>
-              <a:cs typeface="Times New Roman"/>
-            </a:endParaRPr>
-          </a:p>
-          <a:p>
-            <a:pPr marL="0" marR="0" algn="l">
-              <a:lnSpc>
-                <a:spcPct val="115000"/>
-              </a:lnSpc>
-              <a:spcBef>
-                <a:spcPts val="0"/>
-              </a:spcBef>
-              <a:spcAft>
-                <a:spcPts val="0"/>
-              </a:spcAft>
-            </a:pPr>
-            <a:r>
-              <a:rPr lang="en-US" b="0" dirty="0" smtClean="0">
-                <a:latin typeface="Consolas" pitchFamily="49" charset="0"/>
-                <a:ea typeface="Calibri"/>
-                <a:cs typeface="Times New Roman"/>
-              </a:rPr>
-              <a:t>    </a:t>
-            </a:r>
-            <a:r>
-              <a:rPr lang="en-US" b="0" dirty="0" smtClean="0">
-                <a:solidFill>
-                  <a:srgbClr val="A31515"/>
-                </a:solidFill>
-                <a:latin typeface="Consolas" pitchFamily="49" charset="0"/>
-                <a:ea typeface="Calibri"/>
-                <a:cs typeface="Times New Roman"/>
-              </a:rPr>
-              <a:t>"~/</a:t>
-            </a:r>
-            <a:r>
-              <a:rPr lang="en-US" b="0" dirty="0" err="1" smtClean="0">
-                <a:solidFill>
-                  <a:srgbClr val="A31515"/>
-                </a:solidFill>
-                <a:latin typeface="Consolas" pitchFamily="49" charset="0"/>
-                <a:ea typeface="Calibri"/>
-                <a:cs typeface="Times New Roman"/>
-              </a:rPr>
-              <a:t>Movie"</a:t>
-            </a:r>
-            <a:r>
-              <a:rPr lang="en-US" b="0" dirty="0" err="1" smtClean="0">
-                <a:latin typeface="Consolas" pitchFamily="49" charset="0"/>
-                <a:ea typeface="Calibri"/>
-                <a:cs typeface="Times New Roman"/>
-              </a:rPr>
-              <a:t>.ShouldMapTo</a:t>
-            </a:r>
-            <a:r>
-              <a:rPr lang="en-US" b="0" dirty="0" smtClean="0">
-                <a:latin typeface="Consolas" pitchFamily="49" charset="0"/>
-                <a:ea typeface="Calibri"/>
-                <a:cs typeface="Times New Roman"/>
-              </a:rPr>
-              <a:t>&lt;</a:t>
-            </a:r>
-            <a:r>
-              <a:rPr lang="en-US" b="0" dirty="0" err="1" smtClean="0">
-                <a:solidFill>
-                  <a:srgbClr val="2B91AF"/>
-                </a:solidFill>
-                <a:latin typeface="Consolas" pitchFamily="49" charset="0"/>
-                <a:ea typeface="Calibri"/>
-                <a:cs typeface="Times New Roman"/>
-              </a:rPr>
-              <a:t>MovieController</a:t>
-            </a:r>
-            <a:r>
-              <a:rPr lang="en-US" b="0" dirty="0" smtClean="0">
-                <a:latin typeface="Consolas" pitchFamily="49" charset="0"/>
-                <a:ea typeface="Calibri"/>
-                <a:cs typeface="Times New Roman"/>
-              </a:rPr>
-              <a:t>&gt;(c =&gt; </a:t>
-            </a:r>
-            <a:r>
-              <a:rPr lang="en-US" b="0" dirty="0" err="1" smtClean="0">
-                <a:latin typeface="Consolas" pitchFamily="49" charset="0"/>
-                <a:ea typeface="Calibri"/>
-                <a:cs typeface="Times New Roman"/>
-              </a:rPr>
-              <a:t>c.Index</a:t>
-            </a:r>
-            <a:r>
-              <a:rPr lang="en-US" b="0" dirty="0" smtClean="0">
-                <a:latin typeface="Consolas" pitchFamily="49" charset="0"/>
-                <a:ea typeface="Calibri"/>
-                <a:cs typeface="Times New Roman"/>
-              </a:rPr>
-              <a:t>());</a:t>
-            </a:r>
-            <a:endParaRPr lang="en-US" sz="1400" b="0" dirty="0" smtClean="0">
-              <a:latin typeface="Consolas" pitchFamily="49" charset="0"/>
-              <a:ea typeface="Calibri"/>
-              <a:cs typeface="Times New Roman"/>
-            </a:endParaRPr>
-          </a:p>
-          <a:p>
-            <a:pPr marL="0" marR="0" algn="l">
-              <a:lnSpc>
-                <a:spcPct val="115000"/>
-              </a:lnSpc>
-              <a:spcBef>
-                <a:spcPts val="0"/>
-              </a:spcBef>
-              <a:spcAft>
-                <a:spcPts val="0"/>
-              </a:spcAft>
-            </a:pPr>
-            <a:r>
-              <a:rPr lang="en-US" b="0" dirty="0" smtClean="0">
-                <a:latin typeface="Consolas" pitchFamily="49" charset="0"/>
-                <a:ea typeface="Calibri"/>
-                <a:cs typeface="Times New Roman"/>
-              </a:rPr>
-              <a:t>}</a:t>
-            </a:r>
-            <a:endParaRPr lang="en-US" sz="1400" b="0" dirty="0" smtClean="0">
-              <a:latin typeface="Consolas" pitchFamily="49" charset="0"/>
-              <a:ea typeface="Calibri"/>
-              <a:cs typeface="Times New Roman"/>
-            </a:endParaRPr>
-          </a:p>
-          <a:p>
-            <a:pPr marL="0" marR="0" algn="l">
-              <a:lnSpc>
-                <a:spcPct val="115000"/>
-              </a:lnSpc>
-              <a:spcBef>
-                <a:spcPts val="0"/>
-              </a:spcBef>
-              <a:spcAft>
-                <a:spcPts val="1000"/>
-              </a:spcAft>
-            </a:pPr>
-            <a:r>
-              <a:rPr lang="en-US" sz="1400" b="0" dirty="0" smtClean="0">
-                <a:latin typeface="Consolas" pitchFamily="49" charset="0"/>
-                <a:ea typeface="Calibri"/>
-                <a:cs typeface="Times New Roman"/>
-              </a:rPr>
-              <a:t> </a:t>
-            </a:r>
-          </a:p>
-          <a:p>
-            <a:pPr algn="l"/>
-            <a:endParaRPr lang="en-US" b="0" dirty="0" smtClean="0">
-              <a:solidFill>
-                <a:srgbClr val="0000FF"/>
-              </a:solidFill>
-              <a:latin typeface="Consolas" pitchFamily="49" charset="0"/>
-            </a:endParaRPr>
           </a:p>
         </p:txBody>
       </p:sp>
     </p:spTree>
+    <p:extLst>
+      <p:ext uri="{BB962C8B-B14F-4D97-AF65-F5344CB8AC3E}">
+        <p14:creationId xmlns:p14="http://schemas.microsoft.com/office/powerpoint/2010/main" val="2173691522"/>
+      </p:ext>
+    </p:extLst>
   </p:cSld>
   <p:clrMapOvr>
     <a:masterClrMapping/>
@@ -4550,6 +3965,143 @@
 </file>
 
 <file path=ppt/slides/slide12.xml><?xml version="1.0" encoding="utf-8"?>
+<p:sld xmlns:a="http://schemas.openxmlformats.org/drawingml/2006/main" xmlns:r="http://schemas.openxmlformats.org/officeDocument/2006/relationships" xmlns:p="http://schemas.openxmlformats.org/presentationml/2006/main">
+  <p:cSld>
+    <p:spTree>
+      <p:nvGrpSpPr>
+        <p:cNvPr id="1" name=""/>
+        <p:cNvGrpSpPr/>
+        <p:nvPr/>
+      </p:nvGrpSpPr>
+      <p:grpSpPr>
+        <a:xfrm>
+          <a:off x="0" y="0"/>
+          <a:ext cx="0" cy="0"/>
+          <a:chOff x="0" y="0"/>
+          <a:chExt cx="0" cy="0"/>
+        </a:xfrm>
+      </p:grpSpPr>
+      <p:sp>
+        <p:nvSpPr>
+          <p:cNvPr id="2" name="Title 1"/>
+          <p:cNvSpPr>
+            <a:spLocks noGrp="1"/>
+          </p:cNvSpPr>
+          <p:nvPr>
+            <p:ph type="title"/>
+          </p:nvPr>
+        </p:nvSpPr>
+        <p:spPr/>
+        <p:txBody>
+          <a:bodyPr/>
+          <a:lstStyle/>
+          <a:p>
+            <a:r>
+              <a:rPr lang="en-US" dirty="0" smtClean="0"/>
+              <a:t>Testable Data Access</a:t>
+            </a:r>
+            <a:endParaRPr lang="en-US" dirty="0"/>
+          </a:p>
+        </p:txBody>
+      </p:sp>
+      <p:sp>
+        <p:nvSpPr>
+          <p:cNvPr id="3" name="Text Placeholder 2"/>
+          <p:cNvSpPr>
+            <a:spLocks noGrp="1"/>
+          </p:cNvSpPr>
+          <p:nvPr>
+            <p:ph type="body" idx="1"/>
+          </p:nvPr>
+        </p:nvSpPr>
+        <p:spPr/>
+        <p:txBody>
+          <a:bodyPr/>
+          <a:lstStyle/>
+          <a:p>
+            <a:r>
+              <a:rPr lang="en-US" dirty="0" smtClean="0"/>
+              <a:t>Common abstractions</a:t>
+            </a:r>
+          </a:p>
+          <a:p>
+            <a:pPr lvl="1"/>
+            <a:r>
+              <a:rPr lang="en-US" dirty="0" smtClean="0"/>
+              <a:t>Unit of Work</a:t>
+            </a:r>
+          </a:p>
+          <a:p>
+            <a:pPr lvl="1"/>
+            <a:r>
+              <a:rPr lang="en-US" dirty="0" smtClean="0"/>
+              <a:t>Repository</a:t>
+            </a:r>
+          </a:p>
+          <a:p>
+            <a:r>
+              <a:rPr lang="en-US" dirty="0" smtClean="0"/>
+              <a:t>Decoupling </a:t>
+            </a:r>
+          </a:p>
+          <a:p>
+            <a:pPr lvl="1"/>
+            <a:r>
+              <a:rPr lang="en-US" dirty="0" smtClean="0"/>
+              <a:t>Program to an interface, not an implementation</a:t>
+            </a:r>
+          </a:p>
+          <a:p>
+            <a:r>
+              <a:rPr lang="en-US" dirty="0" smtClean="0"/>
+              <a:t>Approaches</a:t>
+            </a:r>
+          </a:p>
+          <a:p>
+            <a:pPr lvl="1"/>
+            <a:r>
+              <a:rPr lang="en-US" dirty="0" smtClean="0"/>
+              <a:t>Use framework abstractions </a:t>
+            </a:r>
+          </a:p>
+          <a:p>
+            <a:pPr lvl="1"/>
+            <a:r>
+              <a:rPr lang="en-US" dirty="0" smtClean="0"/>
+              <a:t>Build </a:t>
+            </a:r>
+            <a:r>
+              <a:rPr lang="en-US" smtClean="0"/>
+              <a:t>your own</a:t>
+            </a:r>
+            <a:endParaRPr lang="en-US" dirty="0"/>
+          </a:p>
+        </p:txBody>
+      </p:sp>
+    </p:spTree>
+    <p:extLst>
+      <p:ext uri="{BB962C8B-B14F-4D97-AF65-F5344CB8AC3E}">
+        <p14:creationId xmlns:p14="http://schemas.microsoft.com/office/powerpoint/2010/main" val="2328323671"/>
+      </p:ext>
+    </p:extLst>
+  </p:cSld>
+  <p:clrMapOvr>
+    <a:masterClrMapping/>
+  </p:clrMapOvr>
+  <p:transition>
+    <p:fade/>
+  </p:transition>
+  <p:timing>
+    <p:tnLst>
+      <p:par>
+        <p:cTn id="1" dur="indefinite" restart="never" nodeType="tmRoot"/>
+      </p:par>
+    </p:tnLst>
+  </p:timing>
+</p:sld>
+</file>
+
+<file path=ppt/slides/slide13.xml><?xml version="1.0" encoding="utf-8"?>
 <p:sld xmlns:a="http://schemas.openxmlformats.org/drawingml/2006/main" xmlns:r="http://schemas.openxmlformats.org/officeDocument/2006/relationships" xmlns:p="http://schemas.openxmlformats.org/presentationml/2006/main">
   <p:cSld>
     <p:spTree>
@@ -4993,7 +4545,7 @@
           <a:graphicData uri="http://schemas.openxmlformats.org/presentationml/2006/ole">
             <mc:AlternateContent xmlns:mc="http://schemas.openxmlformats.org/markup-compatibility/2006">
               <mc:Choice xmlns:v="urn:schemas-microsoft-com:vml" Requires="v">
-                <p:oleObj spid="_x0000_s1032" name="VISIO" r:id="rId4" imgW="7094520" imgH="734760" progId="Visio.Drawing.5">
+                <p:oleObj spid="_x0000_s1033" name="VISIO" r:id="rId4" imgW="7094520" imgH="734760" progId="Visio.Drawing.5">
                   <p:embed/>
                 </p:oleObj>
               </mc:Choice>
